--- a/Slides/Lecture 6-4.pptx
+++ b/Slides/Lecture 6-4.pptx
@@ -228,7 +228,7 @@
             <a:fld id="{A6781D3C-003D-4837-A496-9A32CDA8003A}" type="datetimeFigureOut">
               <a:rPr lang="en-US" smtClean="0"/>
               <a:pPr/>
-              <a:t>1/28/2019</a:t>
+              <a:t>2/4/2019</a:t>
             </a:fld>
             <a:endParaRPr lang="en-US"/>
           </a:p>
@@ -4421,11 +4421,11 @@
   <p:clrMapOvr>
     <a:masterClrMapping/>
   </p:clrMapOvr>
-  <mc:AlternateContent xmlns:mc="http://schemas.openxmlformats.org/markup-compatibility/2006">
-    <mc:Choice xmlns:p14="http://schemas.microsoft.com/office/powerpoint/2010/main" Requires="p14">
+  <mc:AlternateContent xmlns:mc="http://schemas.openxmlformats.org/markup-compatibility/2006" xmlns:p14="http://schemas.microsoft.com/office/powerpoint/2010/main">
+    <mc:Choice Requires="p14">
       <p:transition spd="slow" p14:dur="2000"/>
     </mc:Choice>
-    <mc:Fallback>
+    <mc:Fallback xmlns="">
       <p:transition spd="slow"/>
     </mc:Fallback>
   </mc:AlternateContent>
@@ -4903,7 +4903,7 @@
 </file>
 
 <file path=ppt/slides/slide16.xml><?xml version="1.0" encoding="utf-8"?>
-<p:sld xmlns:a="http://schemas.openxmlformats.org/drawingml/2006/main" xmlns:r="http://schemas.openxmlformats.org/officeDocument/2006/relationships" xmlns:p="http://schemas.openxmlformats.org/presentationml/2006/main">
+<p:sld xmlns:a="http://schemas.openxmlformats.org/drawingml/2006/main" xmlns:r="http://schemas.openxmlformats.org/officeDocument/2006/relationships" xmlns:p="http://schemas.openxmlformats.org/presentationml/2006/main" show="0">
   <p:cSld>
     <p:spTree>
       <p:nvGrpSpPr>
@@ -4996,6 +4996,14 @@
   <p:clrMapOvr>
     <a:masterClrMapping/>
   </p:clrMapOvr>
+  <mc:AlternateContent xmlns:mc="http://schemas.openxmlformats.org/markup-compatibility/2006" xmlns:p14="http://schemas.microsoft.com/office/powerpoint/2010/main">
+    <mc:Choice Requires="p14">
+      <p:transition spd="slow" p14:dur="2000"/>
+    </mc:Choice>
+    <mc:Fallback xmlns="">
+      <p:transition spd="slow"/>
+    </mc:Fallback>
+  </mc:AlternateContent>
   <p:timing>
     <p:tnLst>
       <p:par>
@@ -6750,231 +6758,9 @@
   <p:timing>
     <p:tnLst>
       <p:par>
-        <p:cTn id="1" dur="indefinite" restart="never" nodeType="tmRoot">
-          <p:childTnLst>
-            <p:seq concurrent="1" nextAc="seek">
-              <p:cTn id="2" dur="indefinite" nodeType="mainSeq">
-                <p:childTnLst>
-                  <p:par>
-                    <p:cTn id="3" fill="hold">
-                      <p:stCondLst>
-                        <p:cond delay="indefinite"/>
-                      </p:stCondLst>
-                      <p:childTnLst>
-                        <p:par>
-                          <p:cTn id="4" fill="hold">
-                            <p:stCondLst>
-                              <p:cond delay="0"/>
-                            </p:stCondLst>
-                            <p:childTnLst>
-                              <p:par>
-                                <p:cTn id="5" presetID="1" presetClass="entr" presetSubtype="0" fill="hold" grpId="0" nodeType="clickEffect">
-                                  <p:stCondLst>
-                                    <p:cond delay="0"/>
-                                  </p:stCondLst>
-                                  <p:childTnLst>
-                                    <p:set>
-                                      <p:cBhvr>
-                                        <p:cTn id="6" dur="1" fill="hold">
-                                          <p:stCondLst>
-                                            <p:cond delay="0"/>
-                                          </p:stCondLst>
-                                        </p:cTn>
-                                        <p:tgtEl>
-                                          <p:spTgt spid="3">
-                                            <p:txEl>
-                                              <p:pRg st="0" end="0"/>
-                                            </p:txEl>
-                                          </p:spTgt>
-                                        </p:tgtEl>
-                                        <p:attrNameLst>
-                                          <p:attrName>style.visibility</p:attrName>
-                                        </p:attrNameLst>
-                                      </p:cBhvr>
-                                      <p:to>
-                                        <p:strVal val="visible"/>
-                                      </p:to>
-                                    </p:set>
-                                  </p:childTnLst>
-                                </p:cTn>
-                              </p:par>
-                            </p:childTnLst>
-                          </p:cTn>
-                        </p:par>
-                      </p:childTnLst>
-                    </p:cTn>
-                  </p:par>
-                  <p:par>
-                    <p:cTn id="7" fill="hold">
-                      <p:stCondLst>
-                        <p:cond delay="indefinite"/>
-                      </p:stCondLst>
-                      <p:childTnLst>
-                        <p:par>
-                          <p:cTn id="8" fill="hold">
-                            <p:stCondLst>
-                              <p:cond delay="0"/>
-                            </p:stCondLst>
-                            <p:childTnLst>
-                              <p:par>
-                                <p:cTn id="9" presetID="1" presetClass="entr" presetSubtype="0" fill="hold" grpId="0" nodeType="clickEffect">
-                                  <p:stCondLst>
-                                    <p:cond delay="0"/>
-                                  </p:stCondLst>
-                                  <p:childTnLst>
-                                    <p:set>
-                                      <p:cBhvr>
-                                        <p:cTn id="10" dur="1" fill="hold">
-                                          <p:stCondLst>
-                                            <p:cond delay="0"/>
-                                          </p:stCondLst>
-                                        </p:cTn>
-                                        <p:tgtEl>
-                                          <p:spTgt spid="3">
-                                            <p:txEl>
-                                              <p:pRg st="1" end="1"/>
-                                            </p:txEl>
-                                          </p:spTgt>
-                                        </p:tgtEl>
-                                        <p:attrNameLst>
-                                          <p:attrName>style.visibility</p:attrName>
-                                        </p:attrNameLst>
-                                      </p:cBhvr>
-                                      <p:to>
-                                        <p:strVal val="visible"/>
-                                      </p:to>
-                                    </p:set>
-                                  </p:childTnLst>
-                                </p:cTn>
-                              </p:par>
-                            </p:childTnLst>
-                          </p:cTn>
-                        </p:par>
-                      </p:childTnLst>
-                    </p:cTn>
-                  </p:par>
-                  <p:par>
-                    <p:cTn id="11" fill="hold">
-                      <p:stCondLst>
-                        <p:cond delay="indefinite"/>
-                      </p:stCondLst>
-                      <p:childTnLst>
-                        <p:par>
-                          <p:cTn id="12" fill="hold">
-                            <p:stCondLst>
-                              <p:cond delay="0"/>
-                            </p:stCondLst>
-                            <p:childTnLst>
-                              <p:par>
-                                <p:cTn id="13" presetID="1" presetClass="entr" presetSubtype="0" fill="hold" grpId="0" nodeType="clickEffect">
-                                  <p:stCondLst>
-                                    <p:cond delay="0"/>
-                                  </p:stCondLst>
-                                  <p:childTnLst>
-                                    <p:set>
-                                      <p:cBhvr>
-                                        <p:cTn id="14" dur="1" fill="hold">
-                                          <p:stCondLst>
-                                            <p:cond delay="0"/>
-                                          </p:stCondLst>
-                                        </p:cTn>
-                                        <p:tgtEl>
-                                          <p:spTgt spid="3">
-                                            <p:txEl>
-                                              <p:pRg st="2" end="2"/>
-                                            </p:txEl>
-                                          </p:spTgt>
-                                        </p:tgtEl>
-                                        <p:attrNameLst>
-                                          <p:attrName>style.visibility</p:attrName>
-                                        </p:attrNameLst>
-                                      </p:cBhvr>
-                                      <p:to>
-                                        <p:strVal val="visible"/>
-                                      </p:to>
-                                    </p:set>
-                                  </p:childTnLst>
-                                </p:cTn>
-                              </p:par>
-                            </p:childTnLst>
-                          </p:cTn>
-                        </p:par>
-                      </p:childTnLst>
-                    </p:cTn>
-                  </p:par>
-                  <p:par>
-                    <p:cTn id="15" fill="hold">
-                      <p:stCondLst>
-                        <p:cond delay="indefinite"/>
-                      </p:stCondLst>
-                      <p:childTnLst>
-                        <p:par>
-                          <p:cTn id="16" fill="hold">
-                            <p:stCondLst>
-                              <p:cond delay="0"/>
-                            </p:stCondLst>
-                            <p:childTnLst>
-                              <p:par>
-                                <p:cTn id="17" presetID="1" presetClass="entr" presetSubtype="0" fill="hold" grpId="0" nodeType="clickEffect">
-                                  <p:stCondLst>
-                                    <p:cond delay="0"/>
-                                  </p:stCondLst>
-                                  <p:childTnLst>
-                                    <p:set>
-                                      <p:cBhvr>
-                                        <p:cTn id="18" dur="1" fill="hold">
-                                          <p:stCondLst>
-                                            <p:cond delay="0"/>
-                                          </p:stCondLst>
-                                        </p:cTn>
-                                        <p:tgtEl>
-                                          <p:spTgt spid="3">
-                                            <p:txEl>
-                                              <p:pRg st="3" end="3"/>
-                                            </p:txEl>
-                                          </p:spTgt>
-                                        </p:tgtEl>
-                                        <p:attrNameLst>
-                                          <p:attrName>style.visibility</p:attrName>
-                                        </p:attrNameLst>
-                                      </p:cBhvr>
-                                      <p:to>
-                                        <p:strVal val="visible"/>
-                                      </p:to>
-                                    </p:set>
-                                  </p:childTnLst>
-                                </p:cTn>
-                              </p:par>
-                            </p:childTnLst>
-                          </p:cTn>
-                        </p:par>
-                      </p:childTnLst>
-                    </p:cTn>
-                  </p:par>
-                </p:childTnLst>
-              </p:cTn>
-              <p:prevCondLst>
-                <p:cond evt="onPrev" delay="0">
-                  <p:tgtEl>
-                    <p:sldTgt/>
-                  </p:tgtEl>
-                </p:cond>
-              </p:prevCondLst>
-              <p:nextCondLst>
-                <p:cond evt="onNext" delay="0">
-                  <p:tgtEl>
-                    <p:sldTgt/>
-                  </p:tgtEl>
-                </p:cond>
-              </p:nextCondLst>
-            </p:seq>
-          </p:childTnLst>
-        </p:cTn>
+        <p:cTn id="1" dur="indefinite" restart="never" nodeType="tmRoot"/>
       </p:par>
     </p:tnLst>
-    <p:bldLst>
-      <p:bldP spid="3" grpId="0" build="p" bldLvl="2"/>
-    </p:bldLst>
   </p:timing>
 </p:sld>
 </file>
@@ -7073,11 +6859,11 @@
   <p:clrMapOvr>
     <a:masterClrMapping/>
   </p:clrMapOvr>
-  <mc:AlternateContent xmlns:mc="http://schemas.openxmlformats.org/markup-compatibility/2006">
-    <mc:Choice xmlns:p14="http://schemas.microsoft.com/office/powerpoint/2010/main" Requires="p14">
+  <mc:AlternateContent xmlns:mc="http://schemas.openxmlformats.org/markup-compatibility/2006" xmlns:p14="http://schemas.microsoft.com/office/powerpoint/2010/main">
+    <mc:Choice Requires="p14">
       <p:transition spd="slow" p14:dur="2000"/>
     </mc:Choice>
-    <mc:Fallback>
+    <mc:Fallback xmlns="">
       <p:transition spd="slow"/>
     </mc:Fallback>
   </mc:AlternateContent>
